--- a/powerpoint.pptx
+++ b/powerpoint.pptx
@@ -17,9 +17,10 @@
     <p:sldId id="269" r:id="rId11"/>
     <p:sldId id="264" r:id="rId12"/>
     <p:sldId id="263" r:id="rId13"/>
-    <p:sldId id="265" r:id="rId14"/>
-    <p:sldId id="272" r:id="rId15"/>
-    <p:sldId id="270" r:id="rId16"/>
+    <p:sldId id="277" r:id="rId14"/>
+    <p:sldId id="265" r:id="rId15"/>
+    <p:sldId id="272" r:id="rId16"/>
+    <p:sldId id="270" r:id="rId17"/>
   </p:sldIdLst>
   <p:sldSz cx="12192000" cy="6858000"/>
   <p:notesSz cx="6858000" cy="9144000"/>
@@ -273,7 +274,7 @@
           <a:p>
             <a:fld id="{2558E1DE-090F-9F48-AB7B-7511A71BEBBA}" type="datetimeFigureOut">
               <a:rPr lang="en-US" smtClean="0"/>
-              <a:t>10/13/20</a:t>
+              <a:t>10/14/20</a:t>
             </a:fld>
             <a:endParaRPr lang="en-US"/>
           </a:p>
@@ -471,7 +472,7 @@
           <a:p>
             <a:fld id="{2558E1DE-090F-9F48-AB7B-7511A71BEBBA}" type="datetimeFigureOut">
               <a:rPr lang="en-US" smtClean="0"/>
-              <a:t>10/13/20</a:t>
+              <a:t>10/14/20</a:t>
             </a:fld>
             <a:endParaRPr lang="en-US"/>
           </a:p>
@@ -679,7 +680,7 @@
           <a:p>
             <a:fld id="{2558E1DE-090F-9F48-AB7B-7511A71BEBBA}" type="datetimeFigureOut">
               <a:rPr lang="en-US" smtClean="0"/>
-              <a:t>10/13/20</a:t>
+              <a:t>10/14/20</a:t>
             </a:fld>
             <a:endParaRPr lang="en-US"/>
           </a:p>
@@ -877,7 +878,7 @@
           <a:p>
             <a:fld id="{2558E1DE-090F-9F48-AB7B-7511A71BEBBA}" type="datetimeFigureOut">
               <a:rPr lang="en-US" smtClean="0"/>
-              <a:t>10/13/20</a:t>
+              <a:t>10/14/20</a:t>
             </a:fld>
             <a:endParaRPr lang="en-US"/>
           </a:p>
@@ -1152,7 +1153,7 @@
           <a:p>
             <a:fld id="{2558E1DE-090F-9F48-AB7B-7511A71BEBBA}" type="datetimeFigureOut">
               <a:rPr lang="en-US" smtClean="0"/>
-              <a:t>10/13/20</a:t>
+              <a:t>10/14/20</a:t>
             </a:fld>
             <a:endParaRPr lang="en-US"/>
           </a:p>
@@ -1417,7 +1418,7 @@
           <a:p>
             <a:fld id="{2558E1DE-090F-9F48-AB7B-7511A71BEBBA}" type="datetimeFigureOut">
               <a:rPr lang="en-US" smtClean="0"/>
-              <a:t>10/13/20</a:t>
+              <a:t>10/14/20</a:t>
             </a:fld>
             <a:endParaRPr lang="en-US"/>
           </a:p>
@@ -1829,7 +1830,7 @@
           <a:p>
             <a:fld id="{2558E1DE-090F-9F48-AB7B-7511A71BEBBA}" type="datetimeFigureOut">
               <a:rPr lang="en-US" smtClean="0"/>
-              <a:t>10/13/20</a:t>
+              <a:t>10/14/20</a:t>
             </a:fld>
             <a:endParaRPr lang="en-US"/>
           </a:p>
@@ -1970,7 +1971,7 @@
           <a:p>
             <a:fld id="{2558E1DE-090F-9F48-AB7B-7511A71BEBBA}" type="datetimeFigureOut">
               <a:rPr lang="en-US" smtClean="0"/>
-              <a:t>10/13/20</a:t>
+              <a:t>10/14/20</a:t>
             </a:fld>
             <a:endParaRPr lang="en-US"/>
           </a:p>
@@ -2083,7 +2084,7 @@
           <a:p>
             <a:fld id="{2558E1DE-090F-9F48-AB7B-7511A71BEBBA}" type="datetimeFigureOut">
               <a:rPr lang="en-US" smtClean="0"/>
-              <a:t>10/13/20</a:t>
+              <a:t>10/14/20</a:t>
             </a:fld>
             <a:endParaRPr lang="en-US"/>
           </a:p>
@@ -2394,7 +2395,7 @@
           <a:p>
             <a:fld id="{2558E1DE-090F-9F48-AB7B-7511A71BEBBA}" type="datetimeFigureOut">
               <a:rPr lang="en-US" smtClean="0"/>
-              <a:t>10/13/20</a:t>
+              <a:t>10/14/20</a:t>
             </a:fld>
             <a:endParaRPr lang="en-US"/>
           </a:p>
@@ -2682,7 +2683,7 @@
           <a:p>
             <a:fld id="{2558E1DE-090F-9F48-AB7B-7511A71BEBBA}" type="datetimeFigureOut">
               <a:rPr lang="en-US" smtClean="0"/>
-              <a:t>10/13/20</a:t>
+              <a:t>10/14/20</a:t>
             </a:fld>
             <a:endParaRPr lang="en-US"/>
           </a:p>
@@ -2923,7 +2924,7 @@
           <a:p>
             <a:fld id="{2558E1DE-090F-9F48-AB7B-7511A71BEBBA}" type="datetimeFigureOut">
               <a:rPr lang="en-US" smtClean="0"/>
-              <a:t>10/13/20</a:t>
+              <a:t>10/14/20</a:t>
             </a:fld>
             <a:endParaRPr lang="en-US"/>
           </a:p>
@@ -4665,6 +4666,373 @@
       </p:grpSpPr>
       <p:sp>
         <p:nvSpPr>
+          <p:cNvPr id="14" name="Rectangle 7">
+            <a:extLst>
+              <a:ext uri="{FF2B5EF4-FFF2-40B4-BE49-F238E27FC236}">
+                <a16:creationId xmlns:a16="http://schemas.microsoft.com/office/drawing/2014/main" id="{A7AE9375-4664-4DB2-922D-2782A6E439AC}"/>
+              </a:ext>
+              <a:ext uri="{C183D7F6-B498-43B3-948B-1728B52AA6E4}">
+                <adec:decorative xmlns:adec="http://schemas.microsoft.com/office/drawing/2017/decorative" val="1"/>
+              </a:ext>
+            </a:extLst>
+          </p:cNvPr>
+          <p:cNvSpPr>
+            <a:spLocks noGrp="1" noRot="1" noChangeAspect="1" noMove="1" noResize="1" noEditPoints="1" noAdjustHandles="1" noChangeArrowheads="1" noChangeShapeType="1" noTextEdit="1"/>
+          </p:cNvSpPr>
+          <p:nvPr>
+            <p:extLst>
+              <p:ext uri="{386F3935-93C4-4BCD-93E2-E3B085C9AB24}">
+                <p16:designElem xmlns:p16="http://schemas.microsoft.com/office/powerpoint/2015/main" val="1"/>
+              </p:ext>
+            </p:extLst>
+          </p:nvPr>
+        </p:nvSpPr>
+        <p:spPr>
+          <a:xfrm>
+            <a:off x="0" y="0"/>
+            <a:ext cx="12192000" cy="6858000"/>
+          </a:xfrm>
+          <a:prstGeom prst="rect">
+            <a:avLst/>
+          </a:prstGeom>
+          <a:solidFill>
+            <a:schemeClr val="tx1">
+              <a:lumMod val="95000"/>
+              <a:lumOff val="5000"/>
+            </a:schemeClr>
+          </a:solidFill>
+          <a:ln>
+            <a:noFill/>
+          </a:ln>
+        </p:spPr>
+        <p:style>
+          <a:lnRef idx="2">
+            <a:schemeClr val="accent1">
+              <a:shade val="50000"/>
+            </a:schemeClr>
+          </a:lnRef>
+          <a:fillRef idx="1">
+            <a:schemeClr val="accent1"/>
+          </a:fillRef>
+          <a:effectRef idx="0">
+            <a:schemeClr val="accent1"/>
+          </a:effectRef>
+          <a:fontRef idx="minor">
+            <a:schemeClr val="lt1"/>
+          </a:fontRef>
+        </p:style>
+        <p:txBody>
+          <a:bodyPr rtlCol="0" anchor="ctr"/>
+          <a:lstStyle/>
+          <a:p>
+            <a:pPr algn="ctr"/>
+            <a:endParaRPr lang="en-US" dirty="0">
+              <a:solidFill>
+                <a:schemeClr val="tx1"/>
+              </a:solidFill>
+            </a:endParaRPr>
+          </a:p>
+        </p:txBody>
+      </p:sp>
+      <p:sp>
+        <p:nvSpPr>
+          <p:cNvPr id="2" name="Title 1">
+            <a:extLst>
+              <a:ext uri="{FF2B5EF4-FFF2-40B4-BE49-F238E27FC236}">
+                <a16:creationId xmlns:a16="http://schemas.microsoft.com/office/drawing/2014/main" id="{FFBE1FE6-FFD3-344F-A8FB-3FF6E275B112}"/>
+              </a:ext>
+            </a:extLst>
+          </p:cNvPr>
+          <p:cNvSpPr>
+            <a:spLocks noGrp="1"/>
+          </p:cNvSpPr>
+          <p:nvPr>
+            <p:ph type="title"/>
+          </p:nvPr>
+        </p:nvSpPr>
+        <p:spPr>
+          <a:xfrm>
+            <a:off x="482205" y="700777"/>
+            <a:ext cx="4508946" cy="1325563"/>
+          </a:xfrm>
+        </p:spPr>
+        <p:txBody>
+          <a:bodyPr anchor="b">
+            <a:normAutofit/>
+          </a:bodyPr>
+          <a:lstStyle/>
+          <a:p>
+            <a:r>
+              <a:rPr lang="en-US" dirty="0">
+                <a:solidFill>
+                  <a:schemeClr val="bg1"/>
+                </a:solidFill>
+              </a:rPr>
+              <a:t>Future Work</a:t>
+            </a:r>
+          </a:p>
+        </p:txBody>
+      </p:sp>
+      <p:cxnSp>
+        <p:nvCxnSpPr>
+          <p:cNvPr id="15" name="Straight Connector 9">
+            <a:extLst>
+              <a:ext uri="{FF2B5EF4-FFF2-40B4-BE49-F238E27FC236}">
+                <a16:creationId xmlns:a16="http://schemas.microsoft.com/office/drawing/2014/main" id="{EE504C98-6397-41C1-A8D8-2D9C4ED307E0}"/>
+              </a:ext>
+              <a:ext uri="{C183D7F6-B498-43B3-948B-1728B52AA6E4}">
+                <adec:decorative xmlns:adec="http://schemas.microsoft.com/office/drawing/2017/decorative" val="1"/>
+              </a:ext>
+            </a:extLst>
+          </p:cNvPr>
+          <p:cNvCxnSpPr>
+            <a:cxnSpLocks noGrp="1" noRot="1" noChangeAspect="1" noMove="1" noResize="1" noEditPoints="1" noAdjustHandles="1" noChangeArrowheads="1" noChangeShapeType="1"/>
+          </p:cNvCxnSpPr>
+          <p:nvPr>
+            <p:extLst>
+              <p:ext uri="{386F3935-93C4-4BCD-93E2-E3B085C9AB24}">
+                <p16:designElem xmlns:p16="http://schemas.microsoft.com/office/powerpoint/2015/main" val="1"/>
+              </p:ext>
+            </p:extLst>
+          </p:nvPr>
+        </p:nvCxnSpPr>
+        <p:spPr>
+          <a:xfrm flipH="1">
+            <a:off x="126210" y="2026340"/>
+            <a:ext cx="5220936" cy="0"/>
+          </a:xfrm>
+          <a:prstGeom prst="line">
+            <a:avLst/>
+          </a:prstGeom>
+          <a:ln w="12700">
+            <a:solidFill>
+              <a:schemeClr val="accent2"/>
+            </a:solidFill>
+          </a:ln>
+        </p:spPr>
+        <p:style>
+          <a:lnRef idx="1">
+            <a:schemeClr val="accent1"/>
+          </a:lnRef>
+          <a:fillRef idx="0">
+            <a:schemeClr val="accent1"/>
+          </a:fillRef>
+          <a:effectRef idx="0">
+            <a:schemeClr val="accent1"/>
+          </a:effectRef>
+          <a:fontRef idx="minor">
+            <a:schemeClr val="tx1"/>
+          </a:fontRef>
+        </p:style>
+      </p:cxnSp>
+      <p:sp>
+        <p:nvSpPr>
+          <p:cNvPr id="3" name="Content Placeholder 2">
+            <a:extLst>
+              <a:ext uri="{FF2B5EF4-FFF2-40B4-BE49-F238E27FC236}">
+                <a16:creationId xmlns:a16="http://schemas.microsoft.com/office/drawing/2014/main" id="{B3F91264-E058-6048-AD66-EE005230354E}"/>
+              </a:ext>
+            </a:extLst>
+          </p:cNvPr>
+          <p:cNvSpPr>
+            <a:spLocks noGrp="1"/>
+          </p:cNvSpPr>
+          <p:nvPr>
+            <p:ph idx="1"/>
+          </p:nvPr>
+        </p:nvSpPr>
+        <p:spPr>
+          <a:xfrm>
+            <a:off x="1392667" y="2398957"/>
+            <a:ext cx="9406666" cy="3526144"/>
+          </a:xfrm>
+        </p:spPr>
+        <p:txBody>
+          <a:bodyPr>
+            <a:normAutofit/>
+          </a:bodyPr>
+          <a:lstStyle/>
+          <a:p>
+            <a:r>
+              <a:rPr lang="en-US" sz="2000" dirty="0">
+                <a:solidFill>
+                  <a:schemeClr val="bg1"/>
+                </a:solidFill>
+              </a:rPr>
+              <a:t>Observe Portuguese cultural customs that may influence the reception of marketing strategies</a:t>
+            </a:r>
+          </a:p>
+          <a:p>
+            <a:r>
+              <a:rPr lang="en-US" sz="2000" dirty="0">
+                <a:solidFill>
+                  <a:schemeClr val="bg1"/>
+                </a:solidFill>
+              </a:rPr>
+              <a:t>Obtain and review additional marketing (non-telemarketing) to identify trends</a:t>
+            </a:r>
+          </a:p>
+          <a:p>
+            <a:pPr lvl="1"/>
+            <a:r>
+              <a:rPr lang="en-US" sz="1600" dirty="0">
+                <a:solidFill>
+                  <a:schemeClr val="bg1"/>
+                </a:solidFill>
+              </a:rPr>
+              <a:t>Social Media</a:t>
+            </a:r>
+          </a:p>
+          <a:p>
+            <a:pPr lvl="1"/>
+            <a:r>
+              <a:rPr lang="en-US" sz="1600" dirty="0">
+                <a:solidFill>
+                  <a:schemeClr val="bg1"/>
+                </a:solidFill>
+              </a:rPr>
+              <a:t>Internet</a:t>
+            </a:r>
+          </a:p>
+          <a:p>
+            <a:pPr lvl="1"/>
+            <a:r>
+              <a:rPr lang="en-US" sz="1600" dirty="0">
+                <a:solidFill>
+                  <a:schemeClr val="bg1"/>
+                </a:solidFill>
+              </a:rPr>
+              <a:t>In office marketing</a:t>
+            </a:r>
+          </a:p>
+          <a:p>
+            <a:r>
+              <a:rPr lang="en-US" sz="2000" dirty="0">
+                <a:solidFill>
+                  <a:schemeClr val="bg1"/>
+                </a:solidFill>
+              </a:rPr>
+              <a:t>Analyze </a:t>
+            </a:r>
+            <a:r>
+              <a:rPr lang="en-US" sz="2000">
+                <a:solidFill>
+                  <a:schemeClr val="bg1"/>
+                </a:solidFill>
+              </a:rPr>
+              <a:t>employee performance metrics</a:t>
+            </a:r>
+            <a:endParaRPr lang="en-US" sz="2000" dirty="0">
+              <a:solidFill>
+                <a:schemeClr val="bg1"/>
+              </a:solidFill>
+            </a:endParaRPr>
+          </a:p>
+        </p:txBody>
+      </p:sp>
+      <p:sp>
+        <p:nvSpPr>
+          <p:cNvPr id="16" name="Rectangle 11">
+            <a:extLst>
+              <a:ext uri="{FF2B5EF4-FFF2-40B4-BE49-F238E27FC236}">
+                <a16:creationId xmlns:a16="http://schemas.microsoft.com/office/drawing/2014/main" id="{9DD005C1-8C51-42D6-9BEE-B9B83849743D}"/>
+              </a:ext>
+              <a:ext uri="{C183D7F6-B498-43B3-948B-1728B52AA6E4}">
+                <adec:decorative xmlns:adec="http://schemas.microsoft.com/office/drawing/2017/decorative" val="1"/>
+              </a:ext>
+            </a:extLst>
+          </p:cNvPr>
+          <p:cNvSpPr>
+            <a:spLocks noGrp="1" noRot="1" noChangeAspect="1" noMove="1" noResize="1" noEditPoints="1" noAdjustHandles="1" noChangeArrowheads="1" noChangeShapeType="1" noTextEdit="1"/>
+          </p:cNvSpPr>
+          <p:nvPr>
+            <p:extLst>
+              <p:ext uri="{386F3935-93C4-4BCD-93E2-E3B085C9AB24}">
+                <p16:designElem xmlns:p16="http://schemas.microsoft.com/office/powerpoint/2015/main" val="1"/>
+              </p:ext>
+            </p:extLst>
+          </p:nvPr>
+        </p:nvSpPr>
+        <p:spPr>
+          <a:xfrm>
+            <a:off x="126206" y="115193"/>
+            <a:ext cx="11939588" cy="6627614"/>
+          </a:xfrm>
+          <a:prstGeom prst="rect">
+            <a:avLst/>
+          </a:prstGeom>
+          <a:noFill/>
+          <a:ln w="12700">
+            <a:solidFill>
+              <a:schemeClr val="accent2"/>
+            </a:solidFill>
+          </a:ln>
+        </p:spPr>
+        <p:style>
+          <a:lnRef idx="2">
+            <a:schemeClr val="accent1">
+              <a:shade val="50000"/>
+            </a:schemeClr>
+          </a:lnRef>
+          <a:fillRef idx="1">
+            <a:schemeClr val="accent1"/>
+          </a:fillRef>
+          <a:effectRef idx="0">
+            <a:schemeClr val="accent1"/>
+          </a:effectRef>
+          <a:fontRef idx="minor">
+            <a:schemeClr val="lt1"/>
+          </a:fontRef>
+        </p:style>
+        <p:txBody>
+          <a:bodyPr rtlCol="0" anchor="ctr"/>
+          <a:lstStyle/>
+          <a:p>
+            <a:pPr algn="ctr"/>
+            <a:endParaRPr lang="en-US"/>
+          </a:p>
+        </p:txBody>
+      </p:sp>
+    </p:spTree>
+    <p:extLst>
+      <p:ext uri="{BB962C8B-B14F-4D97-AF65-F5344CB8AC3E}">
+        <p14:creationId xmlns:p14="http://schemas.microsoft.com/office/powerpoint/2010/main" val="2984717381"/>
+      </p:ext>
+    </p:extLst>
+  </p:cSld>
+  <p:clrMapOvr>
+    <a:masterClrMapping/>
+  </p:clrMapOvr>
+</p:sld>
+</file>
+
+<file path=ppt/slides/slide14.xml><?xml version="1.0" encoding="utf-8"?>
+<p:sld xmlns:a="http://schemas.openxmlformats.org/drawingml/2006/main" xmlns:r="http://schemas.openxmlformats.org/officeDocument/2006/relationships" xmlns:p="http://schemas.openxmlformats.org/presentationml/2006/main">
+  <p:cSld>
+    <p:bg>
+      <p:bgPr>
+        <a:solidFill>
+          <a:schemeClr val="bg1"/>
+        </a:solidFill>
+        <a:effectLst/>
+      </p:bgPr>
+    </p:bg>
+    <p:spTree>
+      <p:nvGrpSpPr>
+        <p:cNvPr id="1" name=""/>
+        <p:cNvGrpSpPr/>
+        <p:nvPr/>
+      </p:nvGrpSpPr>
+      <p:grpSpPr>
+        <a:xfrm>
+          <a:off x="0" y="0"/>
+          <a:ext cx="0" cy="0"/>
+          <a:chOff x="0" y="0"/>
+          <a:chExt cx="0" cy="0"/>
+        </a:xfrm>
+      </p:grpSpPr>
+      <p:sp>
+        <p:nvSpPr>
           <p:cNvPr id="40" name="Rectangle 8">
             <a:extLst>
               <a:ext uri="{FF2B5EF4-FFF2-40B4-BE49-F238E27FC236}">
@@ -5066,7 +5434,7 @@
 </p:sld>
 </file>
 
-<file path=ppt/slides/slide14.xml><?xml version="1.0" encoding="utf-8"?>
+<file path=ppt/slides/slide15.xml><?xml version="1.0" encoding="utf-8"?>
 <p:sld xmlns:a="http://schemas.openxmlformats.org/drawingml/2006/main" xmlns:r="http://schemas.openxmlformats.org/officeDocument/2006/relationships" xmlns:p="http://schemas.openxmlformats.org/presentationml/2006/main">
   <p:cSld>
     <p:bg>
@@ -5534,7 +5902,7 @@
 </p:sld>
 </file>
 
-<file path=ppt/slides/slide15.xml><?xml version="1.0" encoding="utf-8"?>
+<file path=ppt/slides/slide16.xml><?xml version="1.0" encoding="utf-8"?>
 <p:sld xmlns:a="http://schemas.openxmlformats.org/drawingml/2006/main" xmlns:r="http://schemas.openxmlformats.org/officeDocument/2006/relationships" xmlns:p="http://schemas.openxmlformats.org/presentationml/2006/main">
   <p:cSld>
     <p:bg>
@@ -6143,6 +6511,16 @@
                 </a:solidFill>
               </a:rPr>
               <a:t>Conclusions &amp; Limitations</a:t>
+            </a:r>
+          </a:p>
+          <a:p>
+            <a:r>
+              <a:rPr lang="en-US" sz="2000" dirty="0">
+                <a:solidFill>
+                  <a:schemeClr val="bg1"/>
+                </a:solidFill>
+              </a:rPr>
+              <a:t>Future Work</a:t>
             </a:r>
           </a:p>
           <a:p>
